--- a/仕様書/Uedaが如くRE_企画書.pptx
+++ b/仕様書/Uedaが如くRE_企画書.pptx
@@ -259,7 +259,7 @@
           <a:p>
             <a:fld id="{7AFEC078-4600-4F5F-B979-28149C998F49}" type="datetimeFigureOut">
               <a:rPr kumimoji="1" lang="ja-JP" altLang="en-US" smtClean="0"/>
-              <a:t>2024/9/20</a:t>
+              <a:t>2024/9/25</a:t>
             </a:fld>
             <a:endParaRPr kumimoji="1" lang="ja-JP" altLang="en-US"/>
           </a:p>
@@ -461,7 +461,7 @@
           <a:p>
             <a:fld id="{7AFEC078-4600-4F5F-B979-28149C998F49}" type="datetimeFigureOut">
               <a:rPr kumimoji="1" lang="ja-JP" altLang="en-US" smtClean="0"/>
-              <a:t>2024/9/20</a:t>
+              <a:t>2024/9/25</a:t>
             </a:fld>
             <a:endParaRPr kumimoji="1" lang="ja-JP" altLang="en-US"/>
           </a:p>
@@ -673,7 +673,7 @@
           <a:p>
             <a:fld id="{7AFEC078-4600-4F5F-B979-28149C998F49}" type="datetimeFigureOut">
               <a:rPr kumimoji="1" lang="ja-JP" altLang="en-US" smtClean="0"/>
-              <a:t>2024/9/20</a:t>
+              <a:t>2024/9/25</a:t>
             </a:fld>
             <a:endParaRPr kumimoji="1" lang="ja-JP" altLang="en-US"/>
           </a:p>
@@ -897,7 +897,7 @@
           <a:p>
             <a:fld id="{7AFEC078-4600-4F5F-B979-28149C998F49}" type="datetimeFigureOut">
               <a:rPr kumimoji="1" lang="ja-JP" altLang="en-US" smtClean="0"/>
-              <a:t>2024/9/20</a:t>
+              <a:t>2024/9/25</a:t>
             </a:fld>
             <a:endParaRPr kumimoji="1" lang="ja-JP" altLang="en-US"/>
           </a:p>
@@ -1099,7 +1099,7 @@
           <a:p>
             <a:fld id="{7AFEC078-4600-4F5F-B979-28149C998F49}" type="datetimeFigureOut">
               <a:rPr kumimoji="1" lang="ja-JP" altLang="en-US" smtClean="0"/>
-              <a:t>2024/9/20</a:t>
+              <a:t>2024/9/25</a:t>
             </a:fld>
             <a:endParaRPr kumimoji="1" lang="ja-JP" altLang="en-US"/>
           </a:p>
@@ -1367,7 +1367,7 @@
           <a:p>
             <a:fld id="{7AFEC078-4600-4F5F-B979-28149C998F49}" type="datetimeFigureOut">
               <a:rPr kumimoji="1" lang="ja-JP" altLang="en-US" smtClean="0"/>
-              <a:t>2024/9/20</a:t>
+              <a:t>2024/9/25</a:t>
             </a:fld>
             <a:endParaRPr kumimoji="1" lang="ja-JP" altLang="en-US"/>
           </a:p>
@@ -1663,7 +1663,7 @@
           <a:p>
             <a:fld id="{7AFEC078-4600-4F5F-B979-28149C998F49}" type="datetimeFigureOut">
               <a:rPr kumimoji="1" lang="ja-JP" altLang="en-US" smtClean="0"/>
-              <a:t>2024/9/20</a:t>
+              <a:t>2024/9/25</a:t>
             </a:fld>
             <a:endParaRPr kumimoji="1" lang="ja-JP" altLang="en-US"/>
           </a:p>
@@ -2086,7 +2086,7 @@
           <a:p>
             <a:fld id="{7AFEC078-4600-4F5F-B979-28149C998F49}" type="datetimeFigureOut">
               <a:rPr kumimoji="1" lang="ja-JP" altLang="en-US" smtClean="0"/>
-              <a:t>2024/9/20</a:t>
+              <a:t>2024/9/25</a:t>
             </a:fld>
             <a:endParaRPr kumimoji="1" lang="ja-JP" altLang="en-US"/>
           </a:p>
@@ -2227,7 +2227,7 @@
           <a:p>
             <a:fld id="{7AFEC078-4600-4F5F-B979-28149C998F49}" type="datetimeFigureOut">
               <a:rPr kumimoji="1" lang="ja-JP" altLang="en-US" smtClean="0"/>
-              <a:t>2024/9/20</a:t>
+              <a:t>2024/9/25</a:t>
             </a:fld>
             <a:endParaRPr kumimoji="1" lang="ja-JP" altLang="en-US"/>
           </a:p>
@@ -2322,7 +2322,7 @@
           <a:p>
             <a:fld id="{7AFEC078-4600-4F5F-B979-28149C998F49}" type="datetimeFigureOut">
               <a:rPr kumimoji="1" lang="ja-JP" altLang="en-US" smtClean="0"/>
-              <a:t>2024/9/20</a:t>
+              <a:t>2024/9/25</a:t>
             </a:fld>
             <a:endParaRPr kumimoji="1" lang="ja-JP" altLang="en-US"/>
           </a:p>
@@ -2711,7 +2711,7 @@
           <a:p>
             <a:fld id="{7AFEC078-4600-4F5F-B979-28149C998F49}" type="datetimeFigureOut">
               <a:rPr kumimoji="1" lang="ja-JP" altLang="en-US" smtClean="0"/>
-              <a:t>2024/9/20</a:t>
+              <a:t>2024/9/25</a:t>
             </a:fld>
             <a:endParaRPr kumimoji="1" lang="ja-JP" altLang="en-US"/>
           </a:p>
@@ -2928,7 +2928,7 @@
           <a:p>
             <a:fld id="{7AFEC078-4600-4F5F-B979-28149C998F49}" type="datetimeFigureOut">
               <a:rPr kumimoji="1" lang="ja-JP" altLang="en-US" smtClean="0"/>
-              <a:t>2024/9/20</a:t>
+              <a:t>2024/9/25</a:t>
             </a:fld>
             <a:endParaRPr kumimoji="1" lang="ja-JP" altLang="en-US"/>
           </a:p>
@@ -3270,7 +3270,7 @@
           <a:p>
             <a:fld id="{7AFEC078-4600-4F5F-B979-28149C998F49}" type="datetimeFigureOut">
               <a:rPr kumimoji="1" lang="ja-JP" altLang="en-US" smtClean="0"/>
-              <a:t>2024/9/20</a:t>
+              <a:t>2024/9/25</a:t>
             </a:fld>
             <a:endParaRPr kumimoji="1" lang="ja-JP" altLang="en-US"/>
           </a:p>
@@ -3487,7 +3487,7 @@
           <a:p>
             <a:fld id="{7AFEC078-4600-4F5F-B979-28149C998F49}" type="datetimeFigureOut">
               <a:rPr kumimoji="1" lang="ja-JP" altLang="en-US" smtClean="0"/>
-              <a:t>2024/9/20</a:t>
+              <a:t>2024/9/25</a:t>
             </a:fld>
             <a:endParaRPr kumimoji="1" lang="ja-JP" altLang="en-US"/>
           </a:p>
@@ -3699,7 +3699,7 @@
           <a:p>
             <a:fld id="{7AFEC078-4600-4F5F-B979-28149C998F49}" type="datetimeFigureOut">
               <a:rPr kumimoji="1" lang="ja-JP" altLang="en-US" smtClean="0"/>
-              <a:t>2024/9/20</a:t>
+              <a:t>2024/9/25</a:t>
             </a:fld>
             <a:endParaRPr kumimoji="1" lang="ja-JP" altLang="en-US"/>
           </a:p>
@@ -3950,7 +3950,7 @@
           <a:p>
             <a:fld id="{7AFEC078-4600-4F5F-B979-28149C998F49}" type="datetimeFigureOut">
               <a:rPr kumimoji="1" lang="ja-JP" altLang="en-US" smtClean="0"/>
-              <a:t>2024/9/20</a:t>
+              <a:t>2024/9/25</a:t>
             </a:fld>
             <a:endParaRPr kumimoji="1" lang="ja-JP" altLang="en-US"/>
           </a:p>
@@ -4246,7 +4246,7 @@
           <a:p>
             <a:fld id="{7AFEC078-4600-4F5F-B979-28149C998F49}" type="datetimeFigureOut">
               <a:rPr kumimoji="1" lang="ja-JP" altLang="en-US" smtClean="0"/>
-              <a:t>2024/9/20</a:t>
+              <a:t>2024/9/25</a:t>
             </a:fld>
             <a:endParaRPr kumimoji="1" lang="ja-JP" altLang="en-US"/>
           </a:p>
@@ -4657,7 +4657,7 @@
           <a:p>
             <a:fld id="{7AFEC078-4600-4F5F-B979-28149C998F49}" type="datetimeFigureOut">
               <a:rPr kumimoji="1" lang="ja-JP" altLang="en-US" smtClean="0"/>
-              <a:t>2024/9/20</a:t>
+              <a:t>2024/9/25</a:t>
             </a:fld>
             <a:endParaRPr kumimoji="1" lang="ja-JP" altLang="en-US"/>
           </a:p>
@@ -4775,7 +4775,7 @@
           <a:p>
             <a:fld id="{7AFEC078-4600-4F5F-B979-28149C998F49}" type="datetimeFigureOut">
               <a:rPr kumimoji="1" lang="ja-JP" altLang="en-US" smtClean="0"/>
-              <a:t>2024/9/20</a:t>
+              <a:t>2024/9/25</a:t>
             </a:fld>
             <a:endParaRPr kumimoji="1" lang="ja-JP" altLang="en-US"/>
           </a:p>
@@ -4893,7 +4893,7 @@
           <a:p>
             <a:fld id="{7AFEC078-4600-4F5F-B979-28149C998F49}" type="datetimeFigureOut">
               <a:rPr kumimoji="1" lang="ja-JP" altLang="en-US" smtClean="0"/>
-              <a:t>2024/9/20</a:t>
+              <a:t>2024/9/25</a:t>
             </a:fld>
             <a:endParaRPr kumimoji="1" lang="ja-JP" altLang="en-US"/>
           </a:p>
@@ -5209,7 +5209,7 @@
           <a:p>
             <a:fld id="{7AFEC078-4600-4F5F-B979-28149C998F49}" type="datetimeFigureOut">
               <a:rPr kumimoji="1" lang="ja-JP" altLang="en-US" smtClean="0"/>
-              <a:t>2024/9/20</a:t>
+              <a:t>2024/9/25</a:t>
             </a:fld>
             <a:endParaRPr kumimoji="1" lang="ja-JP" altLang="en-US"/>
           </a:p>
@@ -5473,7 +5473,7 @@
           <a:p>
             <a:fld id="{7AFEC078-4600-4F5F-B979-28149C998F49}" type="datetimeFigureOut">
               <a:rPr kumimoji="1" lang="ja-JP" altLang="en-US" smtClean="0"/>
-              <a:t>2024/9/20</a:t>
+              <a:t>2024/9/25</a:t>
             </a:fld>
             <a:endParaRPr kumimoji="1" lang="ja-JP" altLang="en-US"/>
           </a:p>
@@ -5719,7 +5719,7 @@
           <a:p>
             <a:fld id="{7AFEC078-4600-4F5F-B979-28149C998F49}" type="datetimeFigureOut">
               <a:rPr kumimoji="1" lang="ja-JP" altLang="en-US" smtClean="0"/>
-              <a:t>2024/9/20</a:t>
+              <a:t>2024/9/25</a:t>
             </a:fld>
             <a:endParaRPr kumimoji="1" lang="ja-JP" altLang="en-US"/>
           </a:p>
@@ -6294,7 +6294,7 @@
           <a:p>
             <a:fld id="{7AFEC078-4600-4F5F-B979-28149C998F49}" type="datetimeFigureOut">
               <a:rPr kumimoji="1" lang="ja-JP" altLang="en-US" smtClean="0"/>
-              <a:t>2024/9/20</a:t>
+              <a:t>2024/9/25</a:t>
             </a:fld>
             <a:endParaRPr kumimoji="1" lang="ja-JP" altLang="en-US"/>
           </a:p>
